--- a/스크립트.pptx
+++ b/스크립트.pptx
@@ -7,6 +7,7 @@
   <p:sldIdLst>
     <p:sldId id="256" r:id="rId2"/>
     <p:sldId id="257" r:id="rId3"/>
+    <p:sldId id="258" r:id="rId4"/>
   </p:sldIdLst>
   <p:sldSz cx="12192000" cy="6858000"/>
   <p:notesSz cx="6858000" cy="9144000"/>
@@ -105,6 +106,11 @@
       </a:defRPr>
     </a:lvl9pPr>
   </p:defaultTextStyle>
+  <p:extLst>
+    <p:ext uri="{EFAFB233-063F-42B5-8137-9DF3F51BA10A}">
+      <p15:sldGuideLst xmlns:p15="http://schemas.microsoft.com/office/powerpoint/2012/main"/>
+    </p:ext>
+  </p:extLst>
 </p:presentation>
 </file>
 
@@ -239,7 +245,7 @@
           <a:p>
             <a:fld id="{B2273807-4CF1-4102-80FF-9B784213C27B}" type="datetimeFigureOut">
               <a:rPr lang="ko-KR" altLang="en-US" smtClean="0"/>
-              <a:t>2022-04-18</a:t>
+              <a:t>2022-04-20</a:t>
             </a:fld>
             <a:endParaRPr lang="ko-KR" altLang="en-US"/>
           </a:p>
@@ -409,7 +415,7 @@
           <a:p>
             <a:fld id="{B2273807-4CF1-4102-80FF-9B784213C27B}" type="datetimeFigureOut">
               <a:rPr lang="ko-KR" altLang="en-US" smtClean="0"/>
-              <a:t>2022-04-18</a:t>
+              <a:t>2022-04-20</a:t>
             </a:fld>
             <a:endParaRPr lang="ko-KR" altLang="en-US"/>
           </a:p>
@@ -589,7 +595,7 @@
           <a:p>
             <a:fld id="{B2273807-4CF1-4102-80FF-9B784213C27B}" type="datetimeFigureOut">
               <a:rPr lang="ko-KR" altLang="en-US" smtClean="0"/>
-              <a:t>2022-04-18</a:t>
+              <a:t>2022-04-20</a:t>
             </a:fld>
             <a:endParaRPr lang="ko-KR" altLang="en-US"/>
           </a:p>
@@ -759,7 +765,7 @@
           <a:p>
             <a:fld id="{B2273807-4CF1-4102-80FF-9B784213C27B}" type="datetimeFigureOut">
               <a:rPr lang="ko-KR" altLang="en-US" smtClean="0"/>
-              <a:t>2022-04-18</a:t>
+              <a:t>2022-04-20</a:t>
             </a:fld>
             <a:endParaRPr lang="ko-KR" altLang="en-US"/>
           </a:p>
@@ -1005,7 +1011,7 @@
           <a:p>
             <a:fld id="{B2273807-4CF1-4102-80FF-9B784213C27B}" type="datetimeFigureOut">
               <a:rPr lang="ko-KR" altLang="en-US" smtClean="0"/>
-              <a:t>2022-04-18</a:t>
+              <a:t>2022-04-20</a:t>
             </a:fld>
             <a:endParaRPr lang="ko-KR" altLang="en-US"/>
           </a:p>
@@ -1237,7 +1243,7 @@
           <a:p>
             <a:fld id="{B2273807-4CF1-4102-80FF-9B784213C27B}" type="datetimeFigureOut">
               <a:rPr lang="ko-KR" altLang="en-US" smtClean="0"/>
-              <a:t>2022-04-18</a:t>
+              <a:t>2022-04-20</a:t>
             </a:fld>
             <a:endParaRPr lang="ko-KR" altLang="en-US"/>
           </a:p>
@@ -1604,7 +1610,7 @@
           <a:p>
             <a:fld id="{B2273807-4CF1-4102-80FF-9B784213C27B}" type="datetimeFigureOut">
               <a:rPr lang="ko-KR" altLang="en-US" smtClean="0"/>
-              <a:t>2022-04-18</a:t>
+              <a:t>2022-04-20</a:t>
             </a:fld>
             <a:endParaRPr lang="ko-KR" altLang="en-US"/>
           </a:p>
@@ -1722,7 +1728,7 @@
           <a:p>
             <a:fld id="{B2273807-4CF1-4102-80FF-9B784213C27B}" type="datetimeFigureOut">
               <a:rPr lang="ko-KR" altLang="en-US" smtClean="0"/>
-              <a:t>2022-04-18</a:t>
+              <a:t>2022-04-20</a:t>
             </a:fld>
             <a:endParaRPr lang="ko-KR" altLang="en-US"/>
           </a:p>
@@ -1817,7 +1823,7 @@
           <a:p>
             <a:fld id="{B2273807-4CF1-4102-80FF-9B784213C27B}" type="datetimeFigureOut">
               <a:rPr lang="ko-KR" altLang="en-US" smtClean="0"/>
-              <a:t>2022-04-18</a:t>
+              <a:t>2022-04-20</a:t>
             </a:fld>
             <a:endParaRPr lang="ko-KR" altLang="en-US"/>
           </a:p>
@@ -2094,7 +2100,7 @@
           <a:p>
             <a:fld id="{B2273807-4CF1-4102-80FF-9B784213C27B}" type="datetimeFigureOut">
               <a:rPr lang="ko-KR" altLang="en-US" smtClean="0"/>
-              <a:t>2022-04-18</a:t>
+              <a:t>2022-04-20</a:t>
             </a:fld>
             <a:endParaRPr lang="ko-KR" altLang="en-US"/>
           </a:p>
@@ -2347,7 +2353,7 @@
           <a:p>
             <a:fld id="{B2273807-4CF1-4102-80FF-9B784213C27B}" type="datetimeFigureOut">
               <a:rPr lang="ko-KR" altLang="en-US" smtClean="0"/>
-              <a:t>2022-04-18</a:t>
+              <a:t>2022-04-20</a:t>
             </a:fld>
             <a:endParaRPr lang="ko-KR" altLang="en-US"/>
           </a:p>
@@ -2560,7 +2566,7 @@
           <a:p>
             <a:fld id="{B2273807-4CF1-4102-80FF-9B784213C27B}" type="datetimeFigureOut">
               <a:rPr lang="ko-KR" altLang="en-US" smtClean="0"/>
-              <a:t>2022-04-18</a:t>
+              <a:t>2022-04-20</a:t>
             </a:fld>
             <a:endParaRPr lang="ko-KR" altLang="en-US"/>
           </a:p>
@@ -3162,11 +3168,7 @@
             </a:r>
             <a:r>
               <a:rPr lang="en-US" altLang="ko-KR" sz="1400" dirty="0" smtClean="0"/>
-              <a:t> console.log</a:t>
-            </a:r>
-            <a:r>
-              <a:rPr lang="en-US" altLang="ko-KR" sz="1400" dirty="0" smtClean="0"/>
-              <a:t>("</a:t>
+              <a:t> console.log("</a:t>
             </a:r>
             <a:r>
               <a:rPr lang="ko-KR" altLang="en-US" sz="1400" dirty="0" smtClean="0"/>
@@ -3314,26 +3316,14 @@
             </a:r>
             <a:r>
               <a:rPr lang="en-US" altLang="ko-KR" sz="1400" dirty="0" smtClean="0"/>
-              <a:t>", </a:t>
-            </a:r>
+              <a:t>", function(){</a:t>
+            </a:r>
+          </a:p>
+          <a:p>
+            <a:pPr lvl="1"/>
             <a:r>
               <a:rPr lang="en-US" altLang="ko-KR" sz="1400" dirty="0" smtClean="0"/>
-              <a:t>function(){</a:t>
-            </a:r>
-          </a:p>
-          <a:p>
-            <a:pPr lvl="1"/>
-            <a:r>
-              <a:rPr lang="en-US" altLang="ko-KR" sz="1400" dirty="0" smtClean="0"/>
-              <a:t>    	</a:t>
-            </a:r>
-            <a:r>
-              <a:rPr lang="en-US" altLang="ko-KR" sz="1400" dirty="0" smtClean="0"/>
-              <a:t>console.log</a:t>
-            </a:r>
-            <a:r>
-              <a:rPr lang="en-US" altLang="ko-KR" sz="1400" dirty="0" smtClean="0"/>
-              <a:t>('</a:t>
+              <a:t>    	console.log('</a:t>
             </a:r>
             <a:r>
               <a:rPr lang="ko-KR" altLang="en-US" sz="1400" dirty="0" smtClean="0"/>
@@ -3348,11 +3338,7 @@
             <a:pPr lvl="1"/>
             <a:r>
               <a:rPr lang="en-US" altLang="ko-KR" sz="1400" dirty="0" smtClean="0"/>
-              <a:t>}</a:t>
-            </a:r>
-            <a:r>
-              <a:rPr lang="en-US" altLang="ko-KR" sz="1400" dirty="0" smtClean="0"/>
-              <a:t>);</a:t>
+              <a:t>});</a:t>
             </a:r>
           </a:p>
           <a:p>
@@ -3810,6 +3796,60 @@
     <p:extLst>
       <p:ext uri="{BB962C8B-B14F-4D97-AF65-F5344CB8AC3E}">
         <p14:creationId xmlns:p14="http://schemas.microsoft.com/office/powerpoint/2010/main" val="2848649660"/>
+      </p:ext>
+    </p:extLst>
+  </p:cSld>
+  <p:clrMapOvr>
+    <a:masterClrMapping/>
+  </p:clrMapOvr>
+</p:sld>
+</file>
+
+<file path=ppt/slides/slide3.xml><?xml version="1.0" encoding="utf-8"?>
+<p:sld xmlns:a="http://schemas.openxmlformats.org/drawingml/2006/main" xmlns:r="http://schemas.openxmlformats.org/officeDocument/2006/relationships" xmlns:p="http://schemas.openxmlformats.org/presentationml/2006/main">
+  <p:cSld>
+    <p:spTree>
+      <p:nvGrpSpPr>
+        <p:cNvPr id="1" name=""/>
+        <p:cNvGrpSpPr/>
+        <p:nvPr/>
+      </p:nvGrpSpPr>
+      <p:grpSpPr>
+        <a:xfrm>
+          <a:off x="0" y="0"/>
+          <a:ext cx="0" cy="0"/>
+          <a:chOff x="0" y="0"/>
+          <a:chExt cx="0" cy="0"/>
+        </a:xfrm>
+      </p:grpSpPr>
+      <p:pic>
+        <p:nvPicPr>
+          <p:cNvPr id="2" name="그림 1"/>
+          <p:cNvPicPr>
+            <a:picLocks noChangeAspect="1"/>
+          </p:cNvPicPr>
+          <p:nvPr/>
+        </p:nvPicPr>
+        <p:blipFill>
+          <a:blip r:embed="rId2"/>
+          <a:stretch>
+            <a:fillRect/>
+          </a:stretch>
+        </p:blipFill>
+        <p:spPr>
+          <a:xfrm>
+            <a:off x="482397" y="87457"/>
+            <a:ext cx="7419975" cy="4438650"/>
+          </a:xfrm>
+          <a:prstGeom prst="rect">
+            <a:avLst/>
+          </a:prstGeom>
+        </p:spPr>
+      </p:pic>
+    </p:spTree>
+    <p:extLst>
+      <p:ext uri="{BB962C8B-B14F-4D97-AF65-F5344CB8AC3E}">
+        <p14:creationId xmlns:p14="http://schemas.microsoft.com/office/powerpoint/2010/main" val="55962929"/>
       </p:ext>
     </p:extLst>
   </p:cSld>

--- a/스크립트.pptx
+++ b/스크립트.pptx
@@ -1,13 +1,12 @@
 
 <file path=ppt/presentation.xml><?xml version="1.0" encoding="utf-8"?>
-<p:presentation xmlns:a="http://schemas.openxmlformats.org/drawingml/2006/main" xmlns:r="http://schemas.openxmlformats.org/officeDocument/2006/relationships" xmlns:p="http://schemas.openxmlformats.org/presentationml/2006/main" saveSubsetFonts="1">
+<p:presentation xmlns:a="http://schemas.openxmlformats.org/drawingml/2006/main" xmlns:r="http://schemas.openxmlformats.org/officeDocument/2006/relationships" xmlns:p="http://schemas.openxmlformats.org/presentationml/2006/main" xmlns:p14="http://schemas.microsoft.com/office/powerpoint/2010/main" saveSubsetFonts="1">
   <p:sldMasterIdLst>
-    <p:sldMasterId id="2147483648" r:id="rId1"/>
+    <p:sldMasterId id="2147483666" r:id="rId13"/>
   </p:sldMasterIdLst>
   <p:sldIdLst>
-    <p:sldId id="256" r:id="rId2"/>
-    <p:sldId id="257" r:id="rId3"/>
-    <p:sldId id="258" r:id="rId4"/>
+    <p:sldId id="256" r:id="rId15"/>
+    <p:sldId id="257" r:id="rId16"/>
   </p:sldIdLst>
   <p:sldSz cx="12192000" cy="6858000"/>
   <p:notesSz cx="6858000" cy="9144000"/>
@@ -106,11 +105,7 @@
       </a:defRPr>
     </a:lvl9pPr>
   </p:defaultTextStyle>
-  <p:extLst>
-    <p:ext uri="{EFAFB233-063F-42B5-8137-9DF3F51BA10A}">
-      <p15:sldGuideLst xmlns:p15="http://schemas.microsoft.com/office/powerpoint/2012/main"/>
-    </p:ext>
-  </p:extLst>
+  <p:extLst/>
 </p:presentation>
 </file>
 
@@ -3805,60 +3800,6 @@
 </p:sld>
 </file>
 
-<file path=ppt/slides/slide3.xml><?xml version="1.0" encoding="utf-8"?>
-<p:sld xmlns:a="http://schemas.openxmlformats.org/drawingml/2006/main" xmlns:r="http://schemas.openxmlformats.org/officeDocument/2006/relationships" xmlns:p="http://schemas.openxmlformats.org/presentationml/2006/main">
-  <p:cSld>
-    <p:spTree>
-      <p:nvGrpSpPr>
-        <p:cNvPr id="1" name=""/>
-        <p:cNvGrpSpPr/>
-        <p:nvPr/>
-      </p:nvGrpSpPr>
-      <p:grpSpPr>
-        <a:xfrm>
-          <a:off x="0" y="0"/>
-          <a:ext cx="0" cy="0"/>
-          <a:chOff x="0" y="0"/>
-          <a:chExt cx="0" cy="0"/>
-        </a:xfrm>
-      </p:grpSpPr>
-      <p:pic>
-        <p:nvPicPr>
-          <p:cNvPr id="2" name="그림 1"/>
-          <p:cNvPicPr>
-            <a:picLocks noChangeAspect="1"/>
-          </p:cNvPicPr>
-          <p:nvPr/>
-        </p:nvPicPr>
-        <p:blipFill>
-          <a:blip r:embed="rId2"/>
-          <a:stretch>
-            <a:fillRect/>
-          </a:stretch>
-        </p:blipFill>
-        <p:spPr>
-          <a:xfrm>
-            <a:off x="482397" y="87457"/>
-            <a:ext cx="7419975" cy="4438650"/>
-          </a:xfrm>
-          <a:prstGeom prst="rect">
-            <a:avLst/>
-          </a:prstGeom>
-        </p:spPr>
-      </p:pic>
-    </p:spTree>
-    <p:extLst>
-      <p:ext uri="{BB962C8B-B14F-4D97-AF65-F5344CB8AC3E}">
-        <p14:creationId xmlns:p14="http://schemas.microsoft.com/office/powerpoint/2010/main" val="55962929"/>
-      </p:ext>
-    </p:extLst>
-  </p:cSld>
-  <p:clrMapOvr>
-    <a:masterClrMapping/>
-  </p:clrMapOvr>
-</p:sld>
-</file>
-
 <file path=ppt/theme/theme1.xml><?xml version="1.0" encoding="utf-8"?>
 <a:theme xmlns:a="http://schemas.openxmlformats.org/drawingml/2006/main" name="Office 테마">
   <a:themeElements>
